--- a/项目文档/S3核心内容展示/S3核心内容展示.pptx
+++ b/项目文档/S3核心内容展示/S3核心内容展示.pptx
@@ -24301,7 +24301,7 @@
         </p:nvSpPr>
         <p:spPr bwMode="auto">
           <a:xfrm>
-            <a:off x="1966523" y="3210878"/>
+            <a:off x="972113" y="3233738"/>
             <a:ext cx="1444132" cy="575072"/>
           </a:xfrm>
           <a:custGeom>
@@ -24393,7 +24393,7 @@
         </p:nvSpPr>
         <p:spPr bwMode="auto">
           <a:xfrm>
-            <a:off x="1970363" y="1200493"/>
+            <a:off x="975953" y="1223353"/>
             <a:ext cx="1430944" cy="2010966"/>
           </a:xfrm>
           <a:prstGeom prst="rect">
@@ -24544,52 +24544,6 @@
       </p:sp>
       <p:sp>
         <p:nvSpPr>
-          <p:cNvPr id="71" name="Rectangle 14"/>
-          <p:cNvSpPr/>
-          <p:nvPr/>
-        </p:nvSpPr>
-        <p:spPr>
-          <a:xfrm>
-            <a:off x="50273" y="1202048"/>
-            <a:ext cx="1921773" cy="3123110"/>
-          </a:xfrm>
-          <a:prstGeom prst="rect">
-            <a:avLst/>
-          </a:prstGeom>
-          <a:solidFill>
-            <a:srgbClr val="3D3743"/>
-          </a:solidFill>
-          <a:ln>
-            <a:noFill/>
-          </a:ln>
-        </p:spPr>
-        <p:style>
-          <a:lnRef idx="2">
-            <a:schemeClr val="accent1">
-              <a:shade val="50000"/>
-            </a:schemeClr>
-          </a:lnRef>
-          <a:fillRef idx="1">
-            <a:schemeClr val="accent1"/>
-          </a:fillRef>
-          <a:effectRef idx="0">
-            <a:schemeClr val="accent1"/>
-          </a:effectRef>
-          <a:fontRef idx="minor">
-            <a:schemeClr val="lt1"/>
-          </a:fontRef>
-        </p:style>
-        <p:txBody>
-          <a:bodyPr rtlCol="0" anchor="ctr"/>
-          <a:lstStyle/>
-          <a:p>
-            <a:pPr algn="ctr"/>
-            <a:endParaRPr lang="en-US"/>
-          </a:p>
-        </p:txBody>
-      </p:sp>
-      <p:sp>
-        <p:nvSpPr>
           <p:cNvPr id="79" name="稻壳儿小白白(http://dwz.cn/Wu2UP)"/>
           <p:cNvSpPr>
             <a:spLocks noChangeArrowheads="1"/>
@@ -24598,7 +24552,7 @@
         </p:nvSpPr>
         <p:spPr bwMode="auto">
           <a:xfrm>
-            <a:off x="3403097" y="1199783"/>
+            <a:off x="2408687" y="1222643"/>
             <a:ext cx="1430944" cy="2019274"/>
           </a:xfrm>
           <a:prstGeom prst="rect">
@@ -24760,7 +24714,7 @@
         </p:blipFill>
         <p:spPr>
           <a:xfrm>
-            <a:off x="3384738" y="1202047"/>
+            <a:off x="2390328" y="1224907"/>
             <a:ext cx="1456717" cy="2199880"/>
           </a:xfrm>
           <a:prstGeom prst="rect">
@@ -24776,7 +24730,7 @@
         </p:nvSpPr>
         <p:spPr bwMode="auto">
           <a:xfrm>
-            <a:off x="3378123" y="3210878"/>
+            <a:off x="2383713" y="3233738"/>
             <a:ext cx="1476046" cy="576362"/>
           </a:xfrm>
           <a:custGeom>
@@ -24858,7 +24812,7 @@
         </p:nvSpPr>
         <p:spPr bwMode="auto">
           <a:xfrm>
-            <a:off x="4843248" y="3210878"/>
+            <a:off x="3848838" y="3233738"/>
             <a:ext cx="1423490" cy="575072"/>
           </a:xfrm>
           <a:custGeom>
@@ -24943,7 +24897,7 @@
         </p:nvSpPr>
         <p:spPr bwMode="auto">
           <a:xfrm>
-            <a:off x="4836663" y="1200493"/>
+            <a:off x="3842253" y="1223353"/>
             <a:ext cx="1430944" cy="2010966"/>
           </a:xfrm>
           <a:prstGeom prst="rect">
@@ -25091,7 +25045,7 @@
         </p:nvSpPr>
         <p:spPr bwMode="auto">
           <a:xfrm>
-            <a:off x="6253947" y="3210878"/>
+            <a:off x="5259537" y="3233738"/>
             <a:ext cx="1444132" cy="575072"/>
           </a:xfrm>
           <a:custGeom>
@@ -25175,7 +25129,7 @@
         </p:nvSpPr>
         <p:spPr bwMode="auto">
           <a:xfrm>
-            <a:off x="6254856" y="1199912"/>
+            <a:off x="5260446" y="1222772"/>
             <a:ext cx="1430944" cy="2010966"/>
           </a:xfrm>
           <a:prstGeom prst="rect">
@@ -25323,7 +25277,7 @@
         </p:nvSpPr>
         <p:spPr bwMode="auto">
           <a:xfrm>
-            <a:off x="7691051" y="3210878"/>
+            <a:off x="6696641" y="3233738"/>
             <a:ext cx="1420426" cy="575072"/>
           </a:xfrm>
           <a:custGeom>
@@ -25407,7 +25361,7 @@
         </p:nvSpPr>
         <p:spPr bwMode="auto">
           <a:xfrm>
-            <a:off x="7684931" y="1202807"/>
+            <a:off x="6690521" y="1225667"/>
             <a:ext cx="1430944" cy="2010966"/>
           </a:xfrm>
           <a:prstGeom prst="rect">
@@ -25555,7 +25509,7 @@
         </p:nvSpPr>
         <p:spPr>
           <a:xfrm>
-            <a:off x="1961304" y="3785474"/>
+            <a:off x="966894" y="3808334"/>
             <a:ext cx="7150173" cy="539683"/>
           </a:xfrm>
           <a:prstGeom prst="rect">
@@ -25606,7 +25560,7 @@
         </p:nvSpPr>
         <p:spPr bwMode="auto">
           <a:xfrm>
-            <a:off x="1953522" y="3338080"/>
+            <a:off x="959112" y="3360940"/>
             <a:ext cx="1483323" cy="338554"/>
           </a:xfrm>
           <a:prstGeom prst="rect">
@@ -25781,7 +25735,7 @@
         </p:nvSpPr>
         <p:spPr bwMode="auto">
           <a:xfrm>
-            <a:off x="3384290" y="3345678"/>
+            <a:off x="2389880" y="3368538"/>
             <a:ext cx="1483323" cy="338554"/>
           </a:xfrm>
           <a:prstGeom prst="rect">
@@ -25956,7 +25910,7 @@
         </p:nvSpPr>
         <p:spPr bwMode="auto">
           <a:xfrm>
-            <a:off x="4745131" y="3338080"/>
+            <a:off x="3750721" y="3360940"/>
             <a:ext cx="1570614" cy="338554"/>
           </a:xfrm>
           <a:prstGeom prst="rect">
@@ -26131,7 +26085,7 @@
         </p:nvSpPr>
         <p:spPr bwMode="auto">
           <a:xfrm>
-            <a:off x="6170853" y="3336882"/>
+            <a:off x="5176443" y="3359742"/>
             <a:ext cx="1609964" cy="338554"/>
           </a:xfrm>
           <a:prstGeom prst="rect">
@@ -26306,7 +26260,7 @@
         </p:nvSpPr>
         <p:spPr bwMode="auto">
           <a:xfrm>
-            <a:off x="7669273" y="3329370"/>
+            <a:off x="6674863" y="3352230"/>
             <a:ext cx="1483323" cy="338554"/>
           </a:xfrm>
           <a:prstGeom prst="rect">
@@ -26463,181 +26417,6 @@
               <a:t>项目设计师</a:t>
             </a:r>
             <a:endParaRPr lang="en-US" altLang="zh-CN" sz="1600" b="1" dirty="0">
-              <a:solidFill>
-                <a:schemeClr val="bg1"/>
-              </a:solidFill>
-              <a:sym typeface="Arial" panose="020B0604020202020204" pitchFamily="34" charset="0"/>
-            </a:endParaRPr>
-          </a:p>
-        </p:txBody>
-      </p:sp>
-      <p:sp>
-        <p:nvSpPr>
-          <p:cNvPr id="92" name="稻壳儿小白白(http://dwz.cn/Wu2UP)"/>
-          <p:cNvSpPr txBox="1">
-            <a:spLocks noChangeArrowheads="1"/>
-          </p:cNvSpPr>
-          <p:nvPr/>
-        </p:nvSpPr>
-        <p:spPr bwMode="auto">
-          <a:xfrm>
-            <a:off x="269497" y="3876020"/>
-            <a:ext cx="1483323" cy="369332"/>
-          </a:xfrm>
-          <a:prstGeom prst="rect">
-            <a:avLst/>
-          </a:prstGeom>
-          <a:noFill/>
-          <a:ln>
-            <a:noFill/>
-          </a:ln>
-          <a:extLst>
-            <a:ext uri="{909E8E84-426E-40DD-AFC4-6F175D3DCCD1}">
-              <a14:hiddenFill xmlns:a14="http://schemas.microsoft.com/office/drawing/2010/main">
-                <a:solidFill>
-                  <a:srgbClr val="FFFFFF"/>
-                </a:solidFill>
-              </a14:hiddenFill>
-            </a:ext>
-            <a:ext uri="{91240B29-F687-4F45-9708-019B960494DF}">
-              <a14:hiddenLine xmlns:a14="http://schemas.microsoft.com/office/drawing/2010/main" w="9525">
-                <a:solidFill>
-                  <a:srgbClr val="000000"/>
-                </a:solidFill>
-                <a:miter lim="800000"/>
-                <a:headEnd/>
-                <a:tailEnd/>
-              </a14:hiddenLine>
-            </a:ext>
-          </a:extLst>
-        </p:spPr>
-        <p:txBody>
-          <a:bodyPr wrap="square">
-            <a:spAutoFit/>
-          </a:bodyPr>
-          <a:lstStyle>
-            <a:lvl1pPr>
-              <a:defRPr>
-                <a:solidFill>
-                  <a:schemeClr val="tx1"/>
-                </a:solidFill>
-                <a:latin typeface="Arial" panose="020B0604020202020204" pitchFamily="34" charset="0"/>
-                <a:ea typeface="微软雅黑" panose="020B0503020204020204" pitchFamily="34" charset="-122"/>
-              </a:defRPr>
-            </a:lvl1pPr>
-            <a:lvl2pPr marL="742950" indent="-285750">
-              <a:defRPr>
-                <a:solidFill>
-                  <a:schemeClr val="tx1"/>
-                </a:solidFill>
-                <a:latin typeface="Arial" panose="020B0604020202020204" pitchFamily="34" charset="0"/>
-                <a:ea typeface="微软雅黑" panose="020B0503020204020204" pitchFamily="34" charset="-122"/>
-              </a:defRPr>
-            </a:lvl2pPr>
-            <a:lvl3pPr marL="1143000" indent="-228600">
-              <a:defRPr>
-                <a:solidFill>
-                  <a:schemeClr val="tx1"/>
-                </a:solidFill>
-                <a:latin typeface="Arial" panose="020B0604020202020204" pitchFamily="34" charset="0"/>
-                <a:ea typeface="微软雅黑" panose="020B0503020204020204" pitchFamily="34" charset="-122"/>
-              </a:defRPr>
-            </a:lvl3pPr>
-            <a:lvl4pPr marL="1600200" indent="-228600">
-              <a:defRPr>
-                <a:solidFill>
-                  <a:schemeClr val="tx1"/>
-                </a:solidFill>
-                <a:latin typeface="Arial" panose="020B0604020202020204" pitchFamily="34" charset="0"/>
-                <a:ea typeface="微软雅黑" panose="020B0503020204020204" pitchFamily="34" charset="-122"/>
-              </a:defRPr>
-            </a:lvl4pPr>
-            <a:lvl5pPr marL="2057400" indent="-228600">
-              <a:defRPr>
-                <a:solidFill>
-                  <a:schemeClr val="tx1"/>
-                </a:solidFill>
-                <a:latin typeface="Arial" panose="020B0604020202020204" pitchFamily="34" charset="0"/>
-                <a:ea typeface="微软雅黑" panose="020B0503020204020204" pitchFamily="34" charset="-122"/>
-              </a:defRPr>
-            </a:lvl5pPr>
-            <a:lvl6pPr marL="2514600" indent="-228600" fontAlgn="base">
-              <a:spcBef>
-                <a:spcPct val="0"/>
-              </a:spcBef>
-              <a:spcAft>
-                <a:spcPct val="0"/>
-              </a:spcAft>
-              <a:buFont typeface="Arial" panose="020B0604020202020204" pitchFamily="34" charset="0"/>
-              <a:defRPr>
-                <a:solidFill>
-                  <a:schemeClr val="tx1"/>
-                </a:solidFill>
-                <a:latin typeface="Arial" panose="020B0604020202020204" pitchFamily="34" charset="0"/>
-                <a:ea typeface="微软雅黑" panose="020B0503020204020204" pitchFamily="34" charset="-122"/>
-              </a:defRPr>
-            </a:lvl6pPr>
-            <a:lvl7pPr marL="2971800" indent="-228600" fontAlgn="base">
-              <a:spcBef>
-                <a:spcPct val="0"/>
-              </a:spcBef>
-              <a:spcAft>
-                <a:spcPct val="0"/>
-              </a:spcAft>
-              <a:buFont typeface="Arial" panose="020B0604020202020204" pitchFamily="34" charset="0"/>
-              <a:defRPr>
-                <a:solidFill>
-                  <a:schemeClr val="tx1"/>
-                </a:solidFill>
-                <a:latin typeface="Arial" panose="020B0604020202020204" pitchFamily="34" charset="0"/>
-                <a:ea typeface="微软雅黑" panose="020B0503020204020204" pitchFamily="34" charset="-122"/>
-              </a:defRPr>
-            </a:lvl7pPr>
-            <a:lvl8pPr marL="3429000" indent="-228600" fontAlgn="base">
-              <a:spcBef>
-                <a:spcPct val="0"/>
-              </a:spcBef>
-              <a:spcAft>
-                <a:spcPct val="0"/>
-              </a:spcAft>
-              <a:buFont typeface="Arial" panose="020B0604020202020204" pitchFamily="34" charset="0"/>
-              <a:defRPr>
-                <a:solidFill>
-                  <a:schemeClr val="tx1"/>
-                </a:solidFill>
-                <a:latin typeface="Arial" panose="020B0604020202020204" pitchFamily="34" charset="0"/>
-                <a:ea typeface="微软雅黑" panose="020B0503020204020204" pitchFamily="34" charset="-122"/>
-              </a:defRPr>
-            </a:lvl8pPr>
-            <a:lvl9pPr marL="3886200" indent="-228600" fontAlgn="base">
-              <a:spcBef>
-                <a:spcPct val="0"/>
-              </a:spcBef>
-              <a:spcAft>
-                <a:spcPct val="0"/>
-              </a:spcAft>
-              <a:buFont typeface="Arial" panose="020B0604020202020204" pitchFamily="34" charset="0"/>
-              <a:defRPr>
-                <a:solidFill>
-                  <a:schemeClr val="tx1"/>
-                </a:solidFill>
-                <a:latin typeface="Arial" panose="020B0604020202020204" pitchFamily="34" charset="0"/>
-                <a:ea typeface="微软雅黑" panose="020B0503020204020204" pitchFamily="34" charset="-122"/>
-              </a:defRPr>
-            </a:lvl9pPr>
-          </a:lstStyle>
-          <a:p>
-            <a:pPr algn="ctr" eaLnBrk="1" hangingPunct="1"/>
-            <a:r>
-              <a:rPr lang="zh-CN" altLang="en-US" b="1" dirty="0" smtClean="0">
-                <a:solidFill>
-                  <a:schemeClr val="bg1"/>
-                </a:solidFill>
-                <a:sym typeface="Arial" panose="020B0604020202020204" pitchFamily="34" charset="0"/>
-              </a:rPr>
-              <a:t>指导老师</a:t>
-            </a:r>
-            <a:endParaRPr lang="en-US" altLang="zh-CN" b="1" dirty="0">
               <a:solidFill>
                 <a:schemeClr val="bg1"/>
               </a:solidFill>
@@ -26656,7 +26435,7 @@
         </p:nvSpPr>
         <p:spPr bwMode="auto">
           <a:xfrm>
-            <a:off x="4085564" y="3891409"/>
+            <a:off x="3091154" y="3914269"/>
             <a:ext cx="2520280" cy="338554"/>
           </a:xfrm>
           <a:prstGeom prst="rect">
@@ -26832,7 +26611,7 @@
       </p:sp>
       <p:pic>
         <p:nvPicPr>
-          <p:cNvPr id="2" name="图片 1"/>
+          <p:cNvPr id="3" name="图片 2"/>
           <p:cNvPicPr>
             <a:picLocks noChangeAspect="1"/>
           </p:cNvPicPr>
@@ -26852,8 +26631,8 @@
         </p:blipFill>
         <p:spPr>
           <a:xfrm>
-            <a:off x="55472" y="1194983"/>
-            <a:ext cx="1916247" cy="2596531"/>
+            <a:off x="979931" y="1217309"/>
+            <a:ext cx="1415570" cy="2003543"/>
           </a:xfrm>
           <a:prstGeom prst="rect">
             <a:avLst/>
@@ -26862,7 +26641,7 @@
       </p:pic>
       <p:pic>
         <p:nvPicPr>
-          <p:cNvPr id="3" name="图片 2"/>
+          <p:cNvPr id="6" name="图片 5"/>
           <p:cNvPicPr>
             <a:picLocks noChangeAspect="1"/>
           </p:cNvPicPr>
@@ -26882,8 +26661,8 @@
         </p:blipFill>
         <p:spPr>
           <a:xfrm>
-            <a:off x="1974341" y="1194449"/>
-            <a:ext cx="1415570" cy="2003543"/>
+            <a:off x="3833569" y="1236971"/>
+            <a:ext cx="1416257" cy="1997929"/>
           </a:xfrm>
           <a:prstGeom prst="rect">
             <a:avLst/>
@@ -26892,7 +26671,7 @@
       </p:pic>
       <p:pic>
         <p:nvPicPr>
-          <p:cNvPr id="6" name="图片 5"/>
+          <p:cNvPr id="7" name="图片 6"/>
           <p:cNvPicPr>
             <a:picLocks noChangeAspect="1"/>
           </p:cNvPicPr>
@@ -26912,8 +26691,8 @@
         </p:blipFill>
         <p:spPr>
           <a:xfrm>
-            <a:off x="4827979" y="1214111"/>
-            <a:ext cx="1416257" cy="1997929"/>
+            <a:off x="5261011" y="1236971"/>
+            <a:ext cx="1425517" cy="1995185"/>
           </a:xfrm>
           <a:prstGeom prst="rect">
             <a:avLst/>
@@ -26922,7 +26701,7 @@
       </p:pic>
       <p:pic>
         <p:nvPicPr>
-          <p:cNvPr id="7" name="图片 6"/>
+          <p:cNvPr id="8" name="图片 7"/>
           <p:cNvPicPr>
             <a:picLocks noChangeAspect="1"/>
           </p:cNvPicPr>
@@ -26942,37 +26721,7 @@
         </p:blipFill>
         <p:spPr>
           <a:xfrm>
-            <a:off x="6255421" y="1214111"/>
-            <a:ext cx="1425517" cy="1995185"/>
-          </a:xfrm>
-          <a:prstGeom prst="rect">
-            <a:avLst/>
-          </a:prstGeom>
-        </p:spPr>
-      </p:pic>
-      <p:pic>
-        <p:nvPicPr>
-          <p:cNvPr id="8" name="图片 7"/>
-          <p:cNvPicPr>
-            <a:picLocks noChangeAspect="1"/>
-          </p:cNvPicPr>
-          <p:nvPr/>
-        </p:nvPicPr>
-        <p:blipFill>
-          <a:blip r:embed="rId6" cstate="print">
-            <a:extLst>
-              <a:ext uri="{28A0092B-C50C-407E-A947-70E740481C1C}">
-                <a14:useLocalDpi xmlns:a14="http://schemas.microsoft.com/office/drawing/2010/main" val="0"/>
-              </a:ext>
-            </a:extLst>
-          </a:blip>
-          <a:stretch>
-            <a:fillRect/>
-          </a:stretch>
-        </p:blipFill>
-        <p:spPr>
-          <a:xfrm>
-            <a:off x="7681008" y="1199331"/>
+            <a:off x="6686598" y="1222191"/>
             <a:ext cx="1432136" cy="1998661"/>
           </a:xfrm>
           <a:prstGeom prst="rect">

--- a/项目文档/S3核心内容展示/S3核心内容展示.pptx
+++ b/项目文档/S3核心内容展示/S3核心内容展示.pptx
@@ -5441,8 +5441,8 @@
         </p:nvSpPr>
         <p:spPr>
           <a:xfrm>
-            <a:off x="2732392" y="2421475"/>
-            <a:ext cx="3801041" cy="1446550"/>
+            <a:off x="2153873" y="2421475"/>
+            <a:ext cx="4958080" cy="1479550"/>
           </a:xfrm>
           <a:prstGeom prst="rect">
             <a:avLst/>
@@ -5464,31 +5464,11 @@
                 <a:latin typeface="微软雅黑" panose="020B0503020204020204" pitchFamily="34" charset="-122"/>
                 <a:ea typeface="微软雅黑" panose="020B0503020204020204" pitchFamily="34" charset="-122"/>
               </a:rPr>
-              <a:t>好运</a:t>
+              <a:t>「好运」</a:t>
             </a:r>
-            <a:r>
-              <a:rPr lang="zh-CN" altLang="en-US" sz="4400" b="1" spc="300" dirty="0">
-                <a:solidFill>
-                  <a:srgbClr val="3D3743"/>
-                </a:solidFill>
-                <a:latin typeface="微软雅黑" panose="020B0503020204020204" pitchFamily="34" charset="-122"/>
-                <a:ea typeface="微软雅黑" panose="020B0503020204020204" pitchFamily="34" charset="-122"/>
-              </a:rPr>
-              <a:t>速</a:t>
-            </a:r>
-            <a:r>
-              <a:rPr lang="zh-CN" altLang="en-US" sz="4400" b="1" spc="300" dirty="0" smtClean="0">
-                <a:solidFill>
-                  <a:srgbClr val="3D3743"/>
-                </a:solidFill>
-                <a:latin typeface="微软雅黑" panose="020B0503020204020204" pitchFamily="34" charset="-122"/>
-                <a:ea typeface="微软雅黑" panose="020B0503020204020204" pitchFamily="34" charset="-122"/>
-              </a:rPr>
-              <a:t>运</a:t>
-            </a:r>
-            <a:endParaRPr lang="en-US" altLang="zh-CN" sz="4400" b="1" spc="300" dirty="0" smtClean="0">
+            <a:endParaRPr lang="zh-CN" altLang="en-US" sz="4400" b="1" spc="300" dirty="0" smtClean="0">
               <a:solidFill>
-                <a:srgbClr val="3D3743"/>
+                <a:srgbClr val="FF0000"/>
               </a:solidFill>
               <a:latin typeface="微软雅黑" panose="020B0503020204020204" pitchFamily="34" charset="-122"/>
               <a:ea typeface="微软雅黑" panose="020B0503020204020204" pitchFamily="34" charset="-122"/>
@@ -5497,24 +5477,14 @@
           <a:p>
             <a:pPr algn="ctr"/>
             <a:r>
-              <a:rPr lang="zh-CN" altLang="en-US" sz="4400" b="1" spc="300" dirty="0" smtClean="0">
+              <a:rPr lang="zh-CN" altLang="en-US" sz="4400" b="1" spc="300" dirty="0">
                 <a:solidFill>
                   <a:srgbClr val="3D3743"/>
                 </a:solidFill>
                 <a:latin typeface="微软雅黑" panose="020B0503020204020204" pitchFamily="34" charset="-122"/>
                 <a:ea typeface="微软雅黑" panose="020B0503020204020204" pitchFamily="34" charset="-122"/>
               </a:rPr>
-              <a:t>移动</a:t>
-            </a:r>
-            <a:r>
-              <a:rPr lang="zh-CN" altLang="en-US" sz="4400" b="1" spc="300" dirty="0">
-                <a:solidFill>
-                  <a:srgbClr val="3D3743"/>
-                </a:solidFill>
-                <a:latin typeface="微软雅黑" panose="020B0503020204020204" pitchFamily="34" charset="-122"/>
-                <a:ea typeface="微软雅黑" panose="020B0503020204020204" pitchFamily="34" charset="-122"/>
-              </a:rPr>
-              <a:t>应用项目</a:t>
+              <a:t>货车租赁移动应用</a:t>
             </a:r>
             <a:endParaRPr lang="zh-CN" altLang="en-US" sz="4400" b="1" spc="300" dirty="0">
               <a:solidFill>
